--- a/Professional Development Roadmap.pptx
+++ b/Professional Development Roadmap.pptx
@@ -4544,7 +4544,7 @@
           <a:p>
             <a:fld id="{73031D6C-7C01-4851-8288-0728D09760AB}" type="datetimeFigureOut">
               <a:rPr lang="en-US" smtClean="0"/>
-              <a:t>4/8/2020</a:t>
+              <a:t>4/9/2020</a:t>
             </a:fld>
             <a:endParaRPr lang="en-US"/>
           </a:p>
@@ -4752,7 +4752,7 @@
           <a:p>
             <a:fld id="{73031D6C-7C01-4851-8288-0728D09760AB}" type="datetimeFigureOut">
               <a:rPr lang="en-US" smtClean="0"/>
-              <a:t>4/8/2020</a:t>
+              <a:t>4/9/2020</a:t>
             </a:fld>
             <a:endParaRPr lang="en-US"/>
           </a:p>
@@ -5008,7 +5008,7 @@
           <a:p>
             <a:fld id="{73031D6C-7C01-4851-8288-0728D09760AB}" type="datetimeFigureOut">
               <a:rPr lang="en-US" smtClean="0"/>
-              <a:t>4/8/2020</a:t>
+              <a:t>4/9/2020</a:t>
             </a:fld>
             <a:endParaRPr lang="en-US"/>
           </a:p>
@@ -5182,7 +5182,7 @@
           <a:p>
             <a:fld id="{73031D6C-7C01-4851-8288-0728D09760AB}" type="datetimeFigureOut">
               <a:rPr lang="en-US" smtClean="0"/>
-              <a:t>4/8/2020</a:t>
+              <a:t>4/9/2020</a:t>
             </a:fld>
             <a:endParaRPr lang="en-US"/>
           </a:p>
@@ -5525,7 +5525,7 @@
           <a:p>
             <a:fld id="{73031D6C-7C01-4851-8288-0728D09760AB}" type="datetimeFigureOut">
               <a:rPr lang="en-US" smtClean="0"/>
-              <a:t>4/8/2020</a:t>
+              <a:t>4/9/2020</a:t>
             </a:fld>
             <a:endParaRPr lang="en-US"/>
           </a:p>
@@ -5800,7 +5800,7 @@
           <a:p>
             <a:fld id="{73031D6C-7C01-4851-8288-0728D09760AB}" type="datetimeFigureOut">
               <a:rPr lang="en-US" smtClean="0"/>
-              <a:t>4/8/2020</a:t>
+              <a:t>4/9/2020</a:t>
             </a:fld>
             <a:endParaRPr lang="en-US"/>
           </a:p>
@@ -6179,7 +6179,7 @@
           <a:p>
             <a:fld id="{73031D6C-7C01-4851-8288-0728D09760AB}" type="datetimeFigureOut">
               <a:rPr lang="en-US" smtClean="0"/>
-              <a:t>4/8/2020</a:t>
+              <a:t>4/9/2020</a:t>
             </a:fld>
             <a:endParaRPr lang="en-US"/>
           </a:p>
@@ -6297,7 +6297,7 @@
           <a:p>
             <a:fld id="{73031D6C-7C01-4851-8288-0728D09760AB}" type="datetimeFigureOut">
               <a:rPr lang="en-US" smtClean="0"/>
-              <a:t>4/8/2020</a:t>
+              <a:t>4/9/2020</a:t>
             </a:fld>
             <a:endParaRPr lang="en-US"/>
           </a:p>
@@ -6468,7 +6468,7 @@
           <a:p>
             <a:fld id="{73031D6C-7C01-4851-8288-0728D09760AB}" type="datetimeFigureOut">
               <a:rPr lang="en-US" smtClean="0"/>
-              <a:t>4/8/2020</a:t>
+              <a:t>4/9/2020</a:t>
             </a:fld>
             <a:endParaRPr lang="en-US"/>
           </a:p>
@@ -6822,7 +6822,7 @@
           <a:p>
             <a:fld id="{73031D6C-7C01-4851-8288-0728D09760AB}" type="datetimeFigureOut">
               <a:rPr lang="en-US" smtClean="0"/>
-              <a:t>4/8/2020</a:t>
+              <a:t>4/9/2020</a:t>
             </a:fld>
             <a:endParaRPr lang="en-US"/>
           </a:p>
@@ -7204,7 +7204,7 @@
           <a:p>
             <a:fld id="{73031D6C-7C01-4851-8288-0728D09760AB}" type="datetimeFigureOut">
               <a:rPr lang="en-US" smtClean="0"/>
-              <a:t>4/8/2020</a:t>
+              <a:t>4/9/2020</a:t>
             </a:fld>
             <a:endParaRPr lang="en-US"/>
           </a:p>
@@ -7491,7 +7491,7 @@
           <a:p>
             <a:fld id="{73031D6C-7C01-4851-8288-0728D09760AB}" type="datetimeFigureOut">
               <a:rPr lang="en-US" smtClean="0"/>
-              <a:t>4/8/2020</a:t>
+              <a:t>4/9/2020</a:t>
             </a:fld>
             <a:endParaRPr lang="en-US"/>
           </a:p>
